--- a/Week8/Slides/Week 8.pptx
+++ b/Week8/Slides/Week 8.pptx
@@ -4059,6 +4059,13 @@
   <p:clrMapOvr>
     <a:masterClrMapping/>
   </p:clrMapOvr>
+  <p:timing>
+    <p:tnLst>
+      <p:par>
+        <p:cTn xmlns:p14="http://schemas.microsoft.com/office/powerpoint/2010/main" id="1" dur="indefinite" restart="never" nodeType="tmRoot"/>
+      </p:par>
+    </p:tnLst>
+  </p:timing>
 </p:sld>
 </file>
 
@@ -4161,6 +4168,13 @@
   <p:clrMapOvr>
     <a:masterClrMapping/>
   </p:clrMapOvr>
+  <p:timing>
+    <p:tnLst>
+      <p:par>
+        <p:cTn xmlns:p14="http://schemas.microsoft.com/office/powerpoint/2010/main" id="1" dur="indefinite" restart="never" nodeType="tmRoot"/>
+      </p:par>
+    </p:tnLst>
+  </p:timing>
 </p:sld>
 </file>
 
@@ -4305,6 +4319,13 @@
   <p:clrMapOvr>
     <a:masterClrMapping/>
   </p:clrMapOvr>
+  <p:timing>
+    <p:tnLst>
+      <p:par>
+        <p:cTn xmlns:p14="http://schemas.microsoft.com/office/powerpoint/2010/main" id="1" dur="indefinite" restart="never" nodeType="tmRoot"/>
+      </p:par>
+    </p:tnLst>
+  </p:timing>
 </p:sld>
 </file>
 
@@ -4419,6 +4440,13 @@
   <p:clrMapOvr>
     <a:masterClrMapping/>
   </p:clrMapOvr>
+  <p:timing>
+    <p:tnLst>
+      <p:par>
+        <p:cTn xmlns:p14="http://schemas.microsoft.com/office/powerpoint/2010/main" id="1" dur="indefinite" restart="never" nodeType="tmRoot"/>
+      </p:par>
+    </p:tnLst>
+  </p:timing>
 </p:sld>
 </file>
 
@@ -4533,6 +4561,13 @@
   <p:clrMapOvr>
     <a:masterClrMapping/>
   </p:clrMapOvr>
+  <p:timing>
+    <p:tnLst>
+      <p:par>
+        <p:cTn xmlns:p14="http://schemas.microsoft.com/office/powerpoint/2010/main" id="1" dur="indefinite" restart="never" nodeType="tmRoot"/>
+      </p:par>
+    </p:tnLst>
+  </p:timing>
 </p:sld>
 </file>
 
@@ -4639,6 +4674,13 @@
   <p:clrMapOvr>
     <a:masterClrMapping/>
   </p:clrMapOvr>
+  <p:timing>
+    <p:tnLst>
+      <p:par>
+        <p:cTn xmlns:p14="http://schemas.microsoft.com/office/powerpoint/2010/main" id="1" dur="indefinite" restart="never" nodeType="tmRoot"/>
+      </p:par>
+    </p:tnLst>
+  </p:timing>
 </p:sld>
 </file>
 
@@ -5212,6 +5254,13 @@
   <p:clrMapOvr>
     <a:masterClrMapping/>
   </p:clrMapOvr>
+  <p:timing>
+    <p:tnLst>
+      <p:par>
+        <p:cTn xmlns:p14="http://schemas.microsoft.com/office/powerpoint/2010/main" id="1" dur="indefinite" restart="never" nodeType="tmRoot"/>
+      </p:par>
+    </p:tnLst>
+  </p:timing>
 </p:sld>
 </file>
 
@@ -5724,6 +5773,13 @@
   <p:clrMapOvr>
     <a:masterClrMapping/>
   </p:clrMapOvr>
+  <p:timing>
+    <p:tnLst>
+      <p:par>
+        <p:cTn xmlns:p14="http://schemas.microsoft.com/office/powerpoint/2010/main" id="1" dur="indefinite" restart="never" nodeType="tmRoot"/>
+      </p:par>
+    </p:tnLst>
+  </p:timing>
 </p:sld>
 </file>
 
@@ -6012,6 +6068,13 @@
   <p:clrMapOvr>
     <a:masterClrMapping/>
   </p:clrMapOvr>
+  <p:timing>
+    <p:tnLst>
+      <p:par>
+        <p:cTn xmlns:p14="http://schemas.microsoft.com/office/powerpoint/2010/main" id="1" dur="indefinite" restart="never" nodeType="tmRoot"/>
+      </p:par>
+    </p:tnLst>
+  </p:timing>
 </p:sld>
 </file>
 
@@ -6137,6 +6200,13 @@
   <p:clrMapOvr>
     <a:masterClrMapping/>
   </p:clrMapOvr>
+  <p:timing>
+    <p:tnLst>
+      <p:par>
+        <p:cTn xmlns:p14="http://schemas.microsoft.com/office/powerpoint/2010/main" id="1" dur="indefinite" restart="never" nodeType="tmRoot"/>
+      </p:par>
+    </p:tnLst>
+  </p:timing>
 </p:sld>
 </file>
 
@@ -6257,6 +6327,13 @@
   <p:clrMapOvr>
     <a:masterClrMapping/>
   </p:clrMapOvr>
+  <p:timing>
+    <p:tnLst>
+      <p:par>
+        <p:cTn xmlns:p14="http://schemas.microsoft.com/office/powerpoint/2010/main" id="1" dur="indefinite" restart="never" nodeType="tmRoot"/>
+      </p:par>
+    </p:tnLst>
+  </p:timing>
 </p:sld>
 </file>
 
@@ -6506,6 +6583,13 @@
   <p:clrMapOvr>
     <a:masterClrMapping/>
   </p:clrMapOvr>
+  <p:timing>
+    <p:tnLst>
+      <p:par>
+        <p:cTn xmlns:p14="http://schemas.microsoft.com/office/powerpoint/2010/main" id="1" dur="indefinite" restart="never" nodeType="tmRoot"/>
+      </p:par>
+    </p:tnLst>
+  </p:timing>
 </p:sld>
 </file>
 
@@ -6726,7 +6810,7 @@
           <a:graphicData uri="http://schemas.openxmlformats.org/presentationml/2006/ole">
             <mc:AlternateContent xmlns:mc="http://schemas.openxmlformats.org/markup-compatibility/2006">
               <mc:Choice xmlns:v="urn:schemas-microsoft-com:vml" Requires="v">
-                <p:oleObj spid="_x0000_s1093" name="Equation" r:id="rId3" imgW="673100" imgH="203200" progId="Equation.3">
+                <p:oleObj spid="_x0000_s1094" name="Equation" r:id="rId3" imgW="673100" imgH="203200" progId="Equation.3">
                   <p:embed/>
                 </p:oleObj>
               </mc:Choice>
